--- a/figures/data_range.pptx
+++ b/figures/data_range.pptx
@@ -10,7 +10,7 @@
   <p:sldIdLst>
     <p:sldId id="256" r:id="rId2"/>
   </p:sldIdLst>
-  <p:sldSz cx="7561263" cy="3779838"/>
+  <p:sldSz cx="7561263" cy="3492500"/>
   <p:notesSz cx="6858000" cy="9144000"/>
   <p:defaultTextStyle>
     <a:defPPr>
@@ -192,7 +192,7 @@
           <a:p>
             <a:fld id="{76E4FB77-D1C3-4706-AC58-35EAF0E0D6E9}" type="datetimeFigureOut">
               <a:rPr lang="en-US" smtClean="0"/>
-              <a:t>11/05/2019</a:t>
+              <a:t>25/05/2019</a:t>
             </a:fld>
             <a:endParaRPr lang="en-US"/>
           </a:p>
@@ -210,8 +210,8 @@
         </p:nvSpPr>
         <p:spPr>
           <a:xfrm>
-            <a:off x="0" y="685800"/>
-            <a:ext cx="6858000" cy="3429000"/>
+            <a:off x="-282575" y="685800"/>
+            <a:ext cx="7423150" cy="3429000"/>
           </a:xfrm>
           <a:prstGeom prst="rect">
             <a:avLst/>
@@ -487,7 +487,12 @@
             <p:ph type="sldImg"/>
           </p:nvPr>
         </p:nvSpPr>
-        <p:spPr/>
+        <p:spPr>
+          <a:xfrm>
+            <a:off x="-282575" y="685800"/>
+            <a:ext cx="7423150" cy="3429000"/>
+          </a:xfrm>
+        </p:spPr>
       </p:sp>
       <p:sp>
         <p:nvSpPr>
@@ -573,8 +578,8 @@
         </p:nvSpPr>
         <p:spPr>
           <a:xfrm>
-            <a:off x="567097" y="1174199"/>
-            <a:ext cx="6427073" cy="810216"/>
+            <a:off x="567099" y="1084938"/>
+            <a:ext cx="6427073" cy="748625"/>
           </a:xfrm>
         </p:spPr>
         <p:txBody>
@@ -601,8 +606,8 @@
         </p:nvSpPr>
         <p:spPr>
           <a:xfrm>
-            <a:off x="1134189" y="2141909"/>
-            <a:ext cx="5292885" cy="965959"/>
+            <a:off x="1134191" y="1979085"/>
+            <a:ext cx="5292885" cy="892528"/>
           </a:xfrm>
         </p:spPr>
         <p:txBody>
@@ -725,7 +730,7 @@
           <a:p>
             <a:fld id="{D355D821-4647-4CF6-BADE-17CDEE959496}" type="datetimeFigureOut">
               <a:rPr lang="en-US" smtClean="0"/>
-              <a:t>11/05/2019</a:t>
+              <a:t>25/05/2019</a:t>
             </a:fld>
             <a:endParaRPr lang="en-US"/>
           </a:p>
@@ -895,7 +900,7 @@
           <a:p>
             <a:fld id="{D355D821-4647-4CF6-BADE-17CDEE959496}" type="datetimeFigureOut">
               <a:rPr lang="en-US" smtClean="0"/>
-              <a:t>11/05/2019</a:t>
+              <a:t>25/05/2019</a:t>
             </a:fld>
             <a:endParaRPr lang="en-US"/>
           </a:p>
@@ -985,8 +990,8 @@
         </p:nvSpPr>
         <p:spPr>
           <a:xfrm>
-            <a:off x="5481915" y="151370"/>
-            <a:ext cx="1701285" cy="3225112"/>
+            <a:off x="5481917" y="139863"/>
+            <a:ext cx="1701285" cy="2979944"/>
           </a:xfrm>
         </p:spPr>
         <p:txBody>
@@ -1013,8 +1018,8 @@
         </p:nvSpPr>
         <p:spPr>
           <a:xfrm>
-            <a:off x="378064" y="151370"/>
-            <a:ext cx="4977832" cy="3225112"/>
+            <a:off x="378064" y="139863"/>
+            <a:ext cx="4977832" cy="2979944"/>
           </a:xfrm>
         </p:spPr>
         <p:txBody>
@@ -1075,7 +1080,7 @@
           <a:p>
             <a:fld id="{D355D821-4647-4CF6-BADE-17CDEE959496}" type="datetimeFigureOut">
               <a:rPr lang="en-US" smtClean="0"/>
-              <a:t>11/05/2019</a:t>
+              <a:t>25/05/2019</a:t>
             </a:fld>
             <a:endParaRPr lang="en-US"/>
           </a:p>
@@ -1245,7 +1250,7 @@
           <a:p>
             <a:fld id="{D355D821-4647-4CF6-BADE-17CDEE959496}" type="datetimeFigureOut">
               <a:rPr lang="en-US" smtClean="0"/>
-              <a:t>11/05/2019</a:t>
+              <a:t>25/05/2019</a:t>
             </a:fld>
             <a:endParaRPr lang="en-US"/>
           </a:p>
@@ -1335,8 +1340,8 @@
         </p:nvSpPr>
         <p:spPr>
           <a:xfrm>
-            <a:off x="597289" y="2428897"/>
-            <a:ext cx="6427073" cy="750717"/>
+            <a:off x="597291" y="2244256"/>
+            <a:ext cx="6427073" cy="693648"/>
           </a:xfrm>
         </p:spPr>
         <p:txBody>
@@ -1367,8 +1372,8 @@
         </p:nvSpPr>
         <p:spPr>
           <a:xfrm>
-            <a:off x="597289" y="1602058"/>
-            <a:ext cx="6427073" cy="826840"/>
+            <a:off x="597291" y="1480272"/>
+            <a:ext cx="6427073" cy="763985"/>
           </a:xfrm>
         </p:spPr>
         <p:txBody>
@@ -1491,7 +1496,7 @@
           <a:p>
             <a:fld id="{D355D821-4647-4CF6-BADE-17CDEE959496}" type="datetimeFigureOut">
               <a:rPr lang="en-US" smtClean="0"/>
-              <a:t>11/05/2019</a:t>
+              <a:t>25/05/2019</a:t>
             </a:fld>
             <a:endParaRPr lang="en-US"/>
           </a:p>
@@ -1604,8 +1609,8 @@
         </p:nvSpPr>
         <p:spPr>
           <a:xfrm>
-            <a:off x="378063" y="881962"/>
-            <a:ext cx="3339558" cy="2494519"/>
+            <a:off x="378063" y="814917"/>
+            <a:ext cx="3339558" cy="2304889"/>
           </a:xfrm>
         </p:spPr>
         <p:txBody>
@@ -1689,8 +1694,8 @@
         </p:nvSpPr>
         <p:spPr>
           <a:xfrm>
-            <a:off x="3843642" y="881962"/>
-            <a:ext cx="3339558" cy="2494519"/>
+            <a:off x="3843642" y="814917"/>
+            <a:ext cx="3339558" cy="2304889"/>
           </a:xfrm>
         </p:spPr>
         <p:txBody>
@@ -1779,7 +1784,7 @@
           <a:p>
             <a:fld id="{D355D821-4647-4CF6-BADE-17CDEE959496}" type="datetimeFigureOut">
               <a:rPr lang="en-US" smtClean="0"/>
-              <a:t>11/05/2019</a:t>
+              <a:t>25/05/2019</a:t>
             </a:fld>
             <a:endParaRPr lang="en-US"/>
           </a:p>
@@ -1896,8 +1901,8 @@
         </p:nvSpPr>
         <p:spPr>
           <a:xfrm>
-            <a:off x="378064" y="846090"/>
-            <a:ext cx="3340871" cy="352609"/>
+            <a:off x="378066" y="781772"/>
+            <a:ext cx="3340871" cy="325804"/>
           </a:xfrm>
         </p:spPr>
         <p:txBody>
@@ -1961,8 +1966,8 @@
         </p:nvSpPr>
         <p:spPr>
           <a:xfrm>
-            <a:off x="378064" y="1198698"/>
-            <a:ext cx="3340871" cy="2177782"/>
+            <a:off x="378066" y="1107575"/>
+            <a:ext cx="3340871" cy="2012230"/>
           </a:xfrm>
         </p:spPr>
         <p:txBody>
@@ -2046,8 +2051,8 @@
         </p:nvSpPr>
         <p:spPr>
           <a:xfrm>
-            <a:off x="3841017" y="846090"/>
-            <a:ext cx="3342183" cy="352609"/>
+            <a:off x="3841019" y="781772"/>
+            <a:ext cx="3342183" cy="325804"/>
           </a:xfrm>
         </p:spPr>
         <p:txBody>
@@ -2111,8 +2116,8 @@
         </p:nvSpPr>
         <p:spPr>
           <a:xfrm>
-            <a:off x="3841017" y="1198698"/>
-            <a:ext cx="3342183" cy="2177782"/>
+            <a:off x="3841019" y="1107575"/>
+            <a:ext cx="3342183" cy="2012230"/>
           </a:xfrm>
         </p:spPr>
         <p:txBody>
@@ -2201,7 +2206,7 @@
           <a:p>
             <a:fld id="{D355D821-4647-4CF6-BADE-17CDEE959496}" type="datetimeFigureOut">
               <a:rPr lang="en-US" smtClean="0"/>
-              <a:t>11/05/2019</a:t>
+              <a:t>25/05/2019</a:t>
             </a:fld>
             <a:endParaRPr lang="en-US"/>
           </a:p>
@@ -2319,7 +2324,7 @@
           <a:p>
             <a:fld id="{D355D821-4647-4CF6-BADE-17CDEE959496}" type="datetimeFigureOut">
               <a:rPr lang="en-US" smtClean="0"/>
-              <a:t>11/05/2019</a:t>
+              <a:t>25/05/2019</a:t>
             </a:fld>
             <a:endParaRPr lang="en-US"/>
           </a:p>
@@ -2414,7 +2419,7 @@
           <a:p>
             <a:fld id="{D355D821-4647-4CF6-BADE-17CDEE959496}" type="datetimeFigureOut">
               <a:rPr lang="en-US" smtClean="0"/>
-              <a:t>11/05/2019</a:t>
+              <a:t>25/05/2019</a:t>
             </a:fld>
             <a:endParaRPr lang="en-US"/>
           </a:p>
@@ -2504,8 +2509,8 @@
         </p:nvSpPr>
         <p:spPr>
           <a:xfrm>
-            <a:off x="378064" y="150493"/>
-            <a:ext cx="2487603" cy="640473"/>
+            <a:off x="378066" y="139054"/>
+            <a:ext cx="2487603" cy="591786"/>
           </a:xfrm>
         </p:spPr>
         <p:txBody>
@@ -2536,8 +2541,8 @@
         </p:nvSpPr>
         <p:spPr>
           <a:xfrm>
-            <a:off x="2956244" y="150495"/>
-            <a:ext cx="4226956" cy="3225987"/>
+            <a:off x="2956244" y="139056"/>
+            <a:ext cx="4226956" cy="2980751"/>
           </a:xfrm>
         </p:spPr>
         <p:txBody>
@@ -2621,8 +2626,8 @@
         </p:nvSpPr>
         <p:spPr>
           <a:xfrm>
-            <a:off x="378064" y="790966"/>
-            <a:ext cx="2487603" cy="2585514"/>
+            <a:off x="378066" y="730838"/>
+            <a:ext cx="2487603" cy="2388967"/>
           </a:xfrm>
         </p:spPr>
         <p:txBody>
@@ -2691,7 +2696,7 @@
           <a:p>
             <a:fld id="{D355D821-4647-4CF6-BADE-17CDEE959496}" type="datetimeFigureOut">
               <a:rPr lang="en-US" smtClean="0"/>
-              <a:t>11/05/2019</a:t>
+              <a:t>25/05/2019</a:t>
             </a:fld>
             <a:endParaRPr lang="en-US"/>
           </a:p>
@@ -2781,8 +2786,8 @@
         </p:nvSpPr>
         <p:spPr>
           <a:xfrm>
-            <a:off x="1482062" y="2645888"/>
-            <a:ext cx="4536758" cy="312361"/>
+            <a:off x="1482062" y="2444752"/>
+            <a:ext cx="4536758" cy="288615"/>
           </a:xfrm>
         </p:spPr>
         <p:txBody>
@@ -2813,8 +2818,8 @@
         </p:nvSpPr>
         <p:spPr>
           <a:xfrm>
-            <a:off x="1482062" y="337736"/>
-            <a:ext cx="4536758" cy="2267903"/>
+            <a:off x="1482062" y="312062"/>
+            <a:ext cx="4536758" cy="2095500"/>
           </a:xfrm>
         </p:spPr>
         <p:txBody>
@@ -2874,8 +2879,8 @@
         </p:nvSpPr>
         <p:spPr>
           <a:xfrm>
-            <a:off x="1482062" y="2958248"/>
-            <a:ext cx="4536758" cy="443607"/>
+            <a:off x="1482062" y="2733367"/>
+            <a:ext cx="4536758" cy="409885"/>
           </a:xfrm>
         </p:spPr>
         <p:txBody>
@@ -2944,7 +2949,7 @@
           <a:p>
             <a:fld id="{D355D821-4647-4CF6-BADE-17CDEE959496}" type="datetimeFigureOut">
               <a:rPr lang="en-US" smtClean="0"/>
-              <a:t>11/05/2019</a:t>
+              <a:t>25/05/2019</a:t>
             </a:fld>
             <a:endParaRPr lang="en-US"/>
           </a:p>
@@ -3039,8 +3044,8 @@
         </p:nvSpPr>
         <p:spPr>
           <a:xfrm>
-            <a:off x="378064" y="151370"/>
-            <a:ext cx="6805137" cy="629973"/>
+            <a:off x="378066" y="139864"/>
+            <a:ext cx="6805137" cy="582083"/>
           </a:xfrm>
           <a:prstGeom prst="rect">
             <a:avLst/>
@@ -3072,8 +3077,8 @@
         </p:nvSpPr>
         <p:spPr>
           <a:xfrm>
-            <a:off x="378064" y="881962"/>
-            <a:ext cx="6805137" cy="2494519"/>
+            <a:off x="378066" y="814917"/>
+            <a:ext cx="6805137" cy="2304889"/>
           </a:xfrm>
           <a:prstGeom prst="rect">
             <a:avLst/>
@@ -3134,8 +3139,8 @@
         </p:nvSpPr>
         <p:spPr>
           <a:xfrm>
-            <a:off x="378064" y="3503351"/>
-            <a:ext cx="1764295" cy="201242"/>
+            <a:off x="378066" y="3237032"/>
+            <a:ext cx="1764295" cy="185943"/>
           </a:xfrm>
           <a:prstGeom prst="rect">
             <a:avLst/>
@@ -3157,7 +3162,7 @@
           <a:p>
             <a:fld id="{D355D821-4647-4CF6-BADE-17CDEE959496}" type="datetimeFigureOut">
               <a:rPr lang="en-US" smtClean="0"/>
-              <a:t>11/05/2019</a:t>
+              <a:t>25/05/2019</a:t>
             </a:fld>
             <a:endParaRPr lang="en-US"/>
           </a:p>
@@ -3175,8 +3180,8 @@
         </p:nvSpPr>
         <p:spPr>
           <a:xfrm>
-            <a:off x="2583434" y="3503351"/>
-            <a:ext cx="2394400" cy="201242"/>
+            <a:off x="2583434" y="3237032"/>
+            <a:ext cx="2394400" cy="185943"/>
           </a:xfrm>
           <a:prstGeom prst="rect">
             <a:avLst/>
@@ -3212,8 +3217,8 @@
         </p:nvSpPr>
         <p:spPr>
           <a:xfrm>
-            <a:off x="5418907" y="3503351"/>
-            <a:ext cx="1764295" cy="201242"/>
+            <a:off x="5418909" y="3237032"/>
+            <a:ext cx="1764295" cy="185943"/>
           </a:xfrm>
           <a:prstGeom prst="rect">
             <a:avLst/>
@@ -3534,7 +3539,7 @@
       </p:grpSpPr>
       <p:sp>
         <p:nvSpPr>
-          <p:cNvPr id="41" name="Rectangle 40"/>
+          <p:cNvPr id="102" name="Rectangle 101"/>
           <p:cNvSpPr/>
           <p:nvPr/>
         </p:nvSpPr>
@@ -3585,7 +3590,7 @@
       </p:sp>
       <p:sp>
         <p:nvSpPr>
-          <p:cNvPr id="42" name="Rectangle 41"/>
+          <p:cNvPr id="103" name="Rectangle 102"/>
           <p:cNvSpPr/>
           <p:nvPr/>
         </p:nvSpPr>
@@ -3636,7 +3641,7 @@
       </p:sp>
       <p:sp>
         <p:nvSpPr>
-          <p:cNvPr id="43" name="Rectangle 42"/>
+          <p:cNvPr id="104" name="Rectangle 103"/>
           <p:cNvSpPr/>
           <p:nvPr/>
         </p:nvSpPr>
@@ -3687,7 +3692,7 @@
       </p:sp>
       <p:sp>
         <p:nvSpPr>
-          <p:cNvPr id="44" name="Rectangle 43"/>
+          <p:cNvPr id="105" name="Rectangle 104"/>
           <p:cNvSpPr/>
           <p:nvPr/>
         </p:nvSpPr>
@@ -3738,7 +3743,7 @@
       </p:sp>
       <p:sp>
         <p:nvSpPr>
-          <p:cNvPr id="45" name="Rectangle 44"/>
+          <p:cNvPr id="106" name="Rectangle 105"/>
           <p:cNvSpPr/>
           <p:nvPr/>
         </p:nvSpPr>
@@ -3781,7 +3786,7 @@
       </p:sp>
       <p:sp>
         <p:nvSpPr>
-          <p:cNvPr id="179" name="Rectangle 178"/>
+          <p:cNvPr id="107" name="Rectangle 106"/>
           <p:cNvSpPr/>
           <p:nvPr/>
         </p:nvSpPr>
@@ -3834,7 +3839,7 @@
       </p:sp>
       <p:sp>
         <p:nvSpPr>
-          <p:cNvPr id="180" name="Rectangle 179"/>
+          <p:cNvPr id="108" name="Rectangle 107"/>
           <p:cNvSpPr/>
           <p:nvPr/>
         </p:nvSpPr>
@@ -3887,7 +3892,7 @@
       </p:sp>
       <p:sp>
         <p:nvSpPr>
-          <p:cNvPr id="181" name="Rectangle 180"/>
+          <p:cNvPr id="109" name="Rectangle 108"/>
           <p:cNvSpPr/>
           <p:nvPr/>
         </p:nvSpPr>
@@ -3940,7 +3945,7 @@
       </p:sp>
       <p:sp>
         <p:nvSpPr>
-          <p:cNvPr id="182" name="Rectangle 181"/>
+          <p:cNvPr id="110" name="Rectangle 109"/>
           <p:cNvSpPr/>
           <p:nvPr/>
         </p:nvSpPr>
@@ -3993,7 +3998,7 @@
       </p:sp>
       <p:sp>
         <p:nvSpPr>
-          <p:cNvPr id="183" name="Rectangle 182"/>
+          <p:cNvPr id="111" name="Rectangle 110"/>
           <p:cNvSpPr/>
           <p:nvPr/>
         </p:nvSpPr>
@@ -4046,7 +4051,7 @@
       </p:sp>
       <p:sp>
         <p:nvSpPr>
-          <p:cNvPr id="184" name="Rectangle 183"/>
+          <p:cNvPr id="112" name="Rectangle 111"/>
           <p:cNvSpPr/>
           <p:nvPr/>
         </p:nvSpPr>
@@ -4097,7 +4102,7 @@
       </p:sp>
       <p:sp>
         <p:nvSpPr>
-          <p:cNvPr id="185" name="Rectangle 184"/>
+          <p:cNvPr id="113" name="Rectangle 112"/>
           <p:cNvSpPr/>
           <p:nvPr/>
         </p:nvSpPr>
@@ -4148,7 +4153,7 @@
       </p:sp>
       <p:sp>
         <p:nvSpPr>
-          <p:cNvPr id="186" name="Rectangle 185"/>
+          <p:cNvPr id="114" name="Rectangle 113"/>
           <p:cNvSpPr/>
           <p:nvPr/>
         </p:nvSpPr>
@@ -4199,7 +4204,7 @@
       </p:sp>
       <p:sp>
         <p:nvSpPr>
-          <p:cNvPr id="187" name="Rectangle 186"/>
+          <p:cNvPr id="115" name="Rectangle 114"/>
           <p:cNvSpPr/>
           <p:nvPr/>
         </p:nvSpPr>
@@ -4250,7 +4255,7 @@
       </p:sp>
       <p:sp>
         <p:nvSpPr>
-          <p:cNvPr id="188" name="Rectangle 187"/>
+          <p:cNvPr id="116" name="Rectangle 115"/>
           <p:cNvSpPr/>
           <p:nvPr/>
         </p:nvSpPr>
@@ -4301,7 +4306,7 @@
       </p:sp>
       <p:cxnSp>
         <p:nvCxnSpPr>
-          <p:cNvPr id="189" name="Straight Connector 188"/>
+          <p:cNvPr id="117" name="Straight Connector 116"/>
           <p:cNvCxnSpPr/>
           <p:nvPr/>
         </p:nvCxnSpPr>
@@ -4339,7 +4344,7 @@
       </p:cxnSp>
       <p:cxnSp>
         <p:nvCxnSpPr>
-          <p:cNvPr id="190" name="Straight Connector 189"/>
+          <p:cNvPr id="118" name="Straight Connector 117"/>
           <p:cNvCxnSpPr/>
           <p:nvPr/>
         </p:nvCxnSpPr>
@@ -4377,7 +4382,7 @@
       </p:cxnSp>
       <p:cxnSp>
         <p:nvCxnSpPr>
-          <p:cNvPr id="191" name="Straight Connector 190"/>
+          <p:cNvPr id="119" name="Straight Connector 118"/>
           <p:cNvCxnSpPr/>
           <p:nvPr/>
         </p:nvCxnSpPr>
@@ -4415,7 +4420,7 @@
       </p:cxnSp>
       <p:cxnSp>
         <p:nvCxnSpPr>
-          <p:cNvPr id="192" name="Straight Connector 191"/>
+          <p:cNvPr id="120" name="Straight Connector 119"/>
           <p:cNvCxnSpPr/>
           <p:nvPr/>
         </p:nvCxnSpPr>
@@ -4453,7 +4458,7 @@
       </p:cxnSp>
       <p:cxnSp>
         <p:nvCxnSpPr>
-          <p:cNvPr id="193" name="Straight Connector 192"/>
+          <p:cNvPr id="121" name="Straight Connector 120"/>
           <p:cNvCxnSpPr/>
           <p:nvPr/>
         </p:nvCxnSpPr>
@@ -4491,7 +4496,7 @@
       </p:cxnSp>
       <p:cxnSp>
         <p:nvCxnSpPr>
-          <p:cNvPr id="194" name="Straight Connector 193"/>
+          <p:cNvPr id="122" name="Straight Connector 121"/>
           <p:cNvCxnSpPr/>
           <p:nvPr/>
         </p:nvCxnSpPr>
@@ -4529,7 +4534,7 @@
       </p:cxnSp>
       <p:cxnSp>
         <p:nvCxnSpPr>
-          <p:cNvPr id="196" name="Straight Connector 195"/>
+          <p:cNvPr id="123" name="Straight Connector 122"/>
           <p:cNvCxnSpPr/>
           <p:nvPr/>
         </p:nvCxnSpPr>
@@ -4567,7 +4572,7 @@
       </p:cxnSp>
       <p:cxnSp>
         <p:nvCxnSpPr>
-          <p:cNvPr id="197" name="Straight Connector 196"/>
+          <p:cNvPr id="124" name="Straight Connector 123"/>
           <p:cNvCxnSpPr/>
           <p:nvPr/>
         </p:nvCxnSpPr>
@@ -4605,7 +4610,7 @@
       </p:cxnSp>
       <p:cxnSp>
         <p:nvCxnSpPr>
-          <p:cNvPr id="198" name="Straight Connector 197"/>
+          <p:cNvPr id="125" name="Straight Connector 124"/>
           <p:cNvCxnSpPr/>
           <p:nvPr/>
         </p:nvCxnSpPr>
@@ -4643,7 +4648,7 @@
       </p:cxnSp>
       <p:sp>
         <p:nvSpPr>
-          <p:cNvPr id="199" name="Rectangle 198"/>
+          <p:cNvPr id="126" name="Rectangle 125"/>
           <p:cNvSpPr/>
           <p:nvPr/>
         </p:nvSpPr>
@@ -4689,7 +4694,7 @@
       </p:sp>
       <p:sp>
         <p:nvSpPr>
-          <p:cNvPr id="200" name="Rectangle 199"/>
+          <p:cNvPr id="127" name="Rectangle 126"/>
           <p:cNvSpPr/>
           <p:nvPr/>
         </p:nvSpPr>
@@ -4735,7 +4740,7 @@
       </p:sp>
       <p:sp>
         <p:nvSpPr>
-          <p:cNvPr id="201" name="Rectangle 200"/>
+          <p:cNvPr id="128" name="Rectangle 127"/>
           <p:cNvSpPr/>
           <p:nvPr/>
         </p:nvSpPr>
@@ -4781,7 +4786,7 @@
       </p:sp>
       <p:sp>
         <p:nvSpPr>
-          <p:cNvPr id="202" name="Rectangle 201"/>
+          <p:cNvPr id="129" name="Rectangle 128"/>
           <p:cNvSpPr/>
           <p:nvPr/>
         </p:nvSpPr>
@@ -4827,14 +4832,14 @@
       </p:sp>
       <p:sp>
         <p:nvSpPr>
-          <p:cNvPr id="203" name="TextBox 202"/>
+          <p:cNvPr id="130" name="TextBox 129"/>
           <p:cNvSpPr txBox="1"/>
           <p:nvPr/>
         </p:nvSpPr>
         <p:spPr>
           <a:xfrm>
             <a:off x="-70662" y="2680796"/>
-            <a:ext cx="1187681" cy="523220"/>
+            <a:ext cx="1187681" cy="307777"/>
           </a:xfrm>
           <a:prstGeom prst="rect">
             <a:avLst/>
@@ -4852,18 +4857,9 @@
               <a:rPr lang="en-US" sz="1400" dirty="0" smtClean="0">
                 <a:latin typeface="Cambria" panose="02040503050406030204" pitchFamily="18" charset="0"/>
               </a:rPr>
-              <a:t>June</a:t>
-            </a:r>
-          </a:p>
-          <a:p>
-            <a:pPr algn="ctr"/>
-            <a:r>
-              <a:rPr lang="en-US" sz="1400" dirty="0" smtClean="0">
-                <a:latin typeface="Cambria" panose="02040503050406030204" pitchFamily="18" charset="0"/>
-              </a:rPr>
-              <a:t>2018</a:t>
-            </a:r>
-            <a:endParaRPr lang="en-US" sz="1400" dirty="0">
+              <a:t>M1</a:t>
+            </a:r>
+            <a:endParaRPr lang="en-US" sz="1400" dirty="0" smtClean="0">
               <a:latin typeface="Cambria" panose="02040503050406030204" pitchFamily="18" charset="0"/>
             </a:endParaRPr>
           </a:p>
@@ -4871,14 +4867,14 @@
       </p:sp>
       <p:sp>
         <p:nvSpPr>
-          <p:cNvPr id="204" name="TextBox 203"/>
+          <p:cNvPr id="131" name="TextBox 130"/>
           <p:cNvSpPr txBox="1"/>
           <p:nvPr/>
         </p:nvSpPr>
         <p:spPr>
           <a:xfrm>
             <a:off x="865442" y="2680796"/>
-            <a:ext cx="1187681" cy="523220"/>
+            <a:ext cx="1187681" cy="307777"/>
           </a:xfrm>
           <a:prstGeom prst="rect">
             <a:avLst/>
@@ -4896,18 +4892,9 @@
               <a:rPr lang="en-US" sz="1400" dirty="0" smtClean="0">
                 <a:latin typeface="Cambria" panose="02040503050406030204" pitchFamily="18" charset="0"/>
               </a:rPr>
-              <a:t>July</a:t>
-            </a:r>
-          </a:p>
-          <a:p>
-            <a:pPr algn="ctr"/>
-            <a:r>
-              <a:rPr lang="en-US" sz="1400" dirty="0" smtClean="0">
-                <a:latin typeface="Cambria" panose="02040503050406030204" pitchFamily="18" charset="0"/>
-              </a:rPr>
-              <a:t>2018</a:t>
-            </a:r>
-            <a:endParaRPr lang="en-US" sz="1400" dirty="0">
+              <a:t>M2</a:t>
+            </a:r>
+            <a:endParaRPr lang="en-US" sz="1400" dirty="0" smtClean="0">
               <a:latin typeface="Cambria" panose="02040503050406030204" pitchFamily="18" charset="0"/>
             </a:endParaRPr>
           </a:p>
@@ -4915,14 +4902,14 @@
       </p:sp>
       <p:sp>
         <p:nvSpPr>
-          <p:cNvPr id="205" name="TextBox 204"/>
+          <p:cNvPr id="132" name="TextBox 131"/>
           <p:cNvSpPr txBox="1"/>
           <p:nvPr/>
         </p:nvSpPr>
         <p:spPr>
           <a:xfrm>
             <a:off x="1800779" y="2680796"/>
-            <a:ext cx="1187681" cy="523220"/>
+            <a:ext cx="1187681" cy="307777"/>
           </a:xfrm>
           <a:prstGeom prst="rect">
             <a:avLst/>
@@ -4940,18 +4927,9 @@
               <a:rPr lang="en-US" sz="1400" dirty="0" smtClean="0">
                 <a:latin typeface="Cambria" panose="02040503050406030204" pitchFamily="18" charset="0"/>
               </a:rPr>
-              <a:t>August</a:t>
-            </a:r>
-          </a:p>
-          <a:p>
-            <a:pPr algn="ctr"/>
-            <a:r>
-              <a:rPr lang="en-US" sz="1400" dirty="0" smtClean="0">
-                <a:latin typeface="Cambria" panose="02040503050406030204" pitchFamily="18" charset="0"/>
-              </a:rPr>
-              <a:t>2018</a:t>
-            </a:r>
-            <a:endParaRPr lang="en-US" sz="1400" dirty="0">
+              <a:t>M3</a:t>
+            </a:r>
+            <a:endParaRPr lang="en-US" sz="1400" dirty="0" smtClean="0">
               <a:latin typeface="Cambria" panose="02040503050406030204" pitchFamily="18" charset="0"/>
             </a:endParaRPr>
           </a:p>
@@ -4959,14 +4937,14 @@
       </p:sp>
       <p:sp>
         <p:nvSpPr>
-          <p:cNvPr id="206" name="TextBox 205"/>
+          <p:cNvPr id="133" name="TextBox 132"/>
           <p:cNvSpPr txBox="1"/>
           <p:nvPr/>
         </p:nvSpPr>
         <p:spPr>
           <a:xfrm>
             <a:off x="2736883" y="2680796"/>
-            <a:ext cx="1187681" cy="523220"/>
+            <a:ext cx="1187681" cy="307777"/>
           </a:xfrm>
           <a:prstGeom prst="rect">
             <a:avLst/>
@@ -4984,24 +4962,21 @@
               <a:rPr lang="en-US" sz="1400" dirty="0" smtClean="0">
                 <a:latin typeface="Cambria" panose="02040503050406030204" pitchFamily="18" charset="0"/>
               </a:rPr>
-              <a:t>September 2018</a:t>
-            </a:r>
-            <a:endParaRPr lang="en-US" sz="1400" dirty="0">
-              <a:latin typeface="Cambria" panose="02040503050406030204" pitchFamily="18" charset="0"/>
-            </a:endParaRPr>
-          </a:p>
-        </p:txBody>
-      </p:sp>
-      <p:sp>
-        <p:nvSpPr>
-          <p:cNvPr id="207" name="TextBox 206"/>
+              <a:t>M4</a:t>
+            </a:r>
+          </a:p>
+        </p:txBody>
+      </p:sp>
+      <p:sp>
+        <p:nvSpPr>
+          <p:cNvPr id="134" name="TextBox 133"/>
           <p:cNvSpPr txBox="1"/>
           <p:nvPr/>
         </p:nvSpPr>
         <p:spPr>
           <a:xfrm>
             <a:off x="3671975" y="2680796"/>
-            <a:ext cx="1187681" cy="523220"/>
+            <a:ext cx="1187681" cy="307777"/>
           </a:xfrm>
           <a:prstGeom prst="rect">
             <a:avLst/>
@@ -5019,24 +4994,21 @@
               <a:rPr lang="en-US" sz="1400" dirty="0" smtClean="0">
                 <a:latin typeface="Cambria" panose="02040503050406030204" pitchFamily="18" charset="0"/>
               </a:rPr>
-              <a:t>October 2018</a:t>
-            </a:r>
-            <a:endParaRPr lang="en-US" sz="1400" dirty="0">
-              <a:latin typeface="Cambria" panose="02040503050406030204" pitchFamily="18" charset="0"/>
-            </a:endParaRPr>
-          </a:p>
-        </p:txBody>
-      </p:sp>
-      <p:sp>
-        <p:nvSpPr>
-          <p:cNvPr id="208" name="TextBox 207"/>
+              <a:t>M5</a:t>
+            </a:r>
+          </a:p>
+        </p:txBody>
+      </p:sp>
+      <p:sp>
+        <p:nvSpPr>
+          <p:cNvPr id="135" name="TextBox 134"/>
           <p:cNvSpPr txBox="1"/>
           <p:nvPr/>
         </p:nvSpPr>
         <p:spPr>
           <a:xfrm>
             <a:off x="4610243" y="2680796"/>
-            <a:ext cx="1187681" cy="523220"/>
+            <a:ext cx="1187681" cy="307777"/>
           </a:xfrm>
           <a:prstGeom prst="rect">
             <a:avLst/>
@@ -5054,24 +5026,21 @@
               <a:rPr lang="en-US" sz="1400" dirty="0" smtClean="0">
                 <a:latin typeface="Cambria" panose="02040503050406030204" pitchFamily="18" charset="0"/>
               </a:rPr>
-              <a:t>November 2018</a:t>
-            </a:r>
-            <a:endParaRPr lang="en-US" sz="1400" dirty="0">
-              <a:latin typeface="Cambria" panose="02040503050406030204" pitchFamily="18" charset="0"/>
-            </a:endParaRPr>
-          </a:p>
-        </p:txBody>
-      </p:sp>
-      <p:sp>
-        <p:nvSpPr>
-          <p:cNvPr id="209" name="TextBox 208"/>
+              <a:t>M6</a:t>
+            </a:r>
+          </a:p>
+        </p:txBody>
+      </p:sp>
+      <p:sp>
+        <p:nvSpPr>
+          <p:cNvPr id="136" name="TextBox 135"/>
           <p:cNvSpPr txBox="1"/>
           <p:nvPr/>
         </p:nvSpPr>
         <p:spPr>
           <a:xfrm>
             <a:off x="5535870" y="2680796"/>
-            <a:ext cx="1187681" cy="523220"/>
+            <a:ext cx="1187681" cy="307777"/>
           </a:xfrm>
           <a:prstGeom prst="rect">
             <a:avLst/>
@@ -5089,24 +5058,21 @@
               <a:rPr lang="en-US" sz="1400" dirty="0" smtClean="0">
                 <a:latin typeface="Cambria" panose="02040503050406030204" pitchFamily="18" charset="0"/>
               </a:rPr>
-              <a:t>December 2018</a:t>
-            </a:r>
-            <a:endParaRPr lang="en-US" sz="1400" dirty="0">
-              <a:latin typeface="Cambria" panose="02040503050406030204" pitchFamily="18" charset="0"/>
-            </a:endParaRPr>
-          </a:p>
-        </p:txBody>
-      </p:sp>
-      <p:sp>
-        <p:nvSpPr>
-          <p:cNvPr id="210" name="TextBox 209"/>
+              <a:t>M7</a:t>
+            </a:r>
+          </a:p>
+        </p:txBody>
+      </p:sp>
+      <p:sp>
+        <p:nvSpPr>
+          <p:cNvPr id="137" name="TextBox 136"/>
           <p:cNvSpPr txBox="1"/>
           <p:nvPr/>
         </p:nvSpPr>
         <p:spPr>
           <a:xfrm>
             <a:off x="6490977" y="2680796"/>
-            <a:ext cx="1187681" cy="523220"/>
+            <a:ext cx="1187681" cy="307777"/>
           </a:xfrm>
           <a:prstGeom prst="rect">
             <a:avLst/>
@@ -5124,18 +5090,9 @@
               <a:rPr lang="en-US" sz="1400" dirty="0" smtClean="0">
                 <a:latin typeface="Cambria" panose="02040503050406030204" pitchFamily="18" charset="0"/>
               </a:rPr>
-              <a:t>January </a:t>
-            </a:r>
-          </a:p>
-          <a:p>
-            <a:pPr algn="ctr"/>
-            <a:r>
-              <a:rPr lang="en-US" sz="1400" dirty="0" smtClean="0">
-                <a:latin typeface="Cambria" panose="02040503050406030204" pitchFamily="18" charset="0"/>
-              </a:rPr>
-              <a:t>2019</a:t>
-            </a:r>
-            <a:endParaRPr lang="en-US" sz="1400" dirty="0">
+              <a:t>M8</a:t>
+            </a:r>
+            <a:endParaRPr lang="en-US" sz="1400" dirty="0" smtClean="0">
               <a:latin typeface="Cambria" panose="02040503050406030204" pitchFamily="18" charset="0"/>
             </a:endParaRPr>
           </a:p>
@@ -5143,13 +5100,13 @@
       </p:sp>
       <p:grpSp>
         <p:nvGrpSpPr>
-          <p:cNvPr id="3" name="Group 2"/>
+          <p:cNvPr id="138" name="Group 137"/>
           <p:cNvGrpSpPr/>
           <p:nvPr/>
         </p:nvGrpSpPr>
         <p:grpSpPr>
           <a:xfrm>
-            <a:off x="4092002" y="3307817"/>
+            <a:off x="4093471" y="3002164"/>
             <a:ext cx="1743472" cy="523220"/>
             <a:chOff x="4148798" y="3307817"/>
             <a:chExt cx="1743472" cy="523220"/>
@@ -5157,7 +5114,7 @@
         </p:grpSpPr>
         <p:sp>
           <p:nvSpPr>
-            <p:cNvPr id="212" name="Rectangle 211"/>
+            <p:cNvPr id="139" name="Rectangle 138"/>
             <p:cNvSpPr/>
             <p:nvPr/>
           </p:nvSpPr>
@@ -5208,7 +5165,7 @@
         </p:sp>
         <p:sp>
           <p:nvSpPr>
-            <p:cNvPr id="214" name="TextBox 213"/>
+            <p:cNvPr id="140" name="TextBox 139"/>
             <p:cNvSpPr txBox="1"/>
             <p:nvPr/>
           </p:nvSpPr>
@@ -5243,13 +5200,13 @@
       </p:grpSp>
       <p:grpSp>
         <p:nvGrpSpPr>
-          <p:cNvPr id="4" name="Group 3"/>
+          <p:cNvPr id="141" name="Group 140"/>
           <p:cNvGrpSpPr/>
           <p:nvPr/>
         </p:nvGrpSpPr>
         <p:grpSpPr>
           <a:xfrm>
-            <a:off x="1980110" y="3307817"/>
+            <a:off x="1981579" y="3002164"/>
             <a:ext cx="2016699" cy="523220"/>
             <a:chOff x="1862156" y="3307817"/>
             <a:chExt cx="2016699" cy="523220"/>
@@ -5257,7 +5214,7 @@
         </p:grpSpPr>
         <p:sp>
           <p:nvSpPr>
-            <p:cNvPr id="213" name="Rectangle 212"/>
+            <p:cNvPr id="142" name="Rectangle 141"/>
             <p:cNvSpPr/>
             <p:nvPr/>
           </p:nvSpPr>
@@ -5310,7 +5267,7 @@
         </p:sp>
         <p:sp>
           <p:nvSpPr>
-            <p:cNvPr id="215" name="TextBox 214"/>
+            <p:cNvPr id="143" name="TextBox 142"/>
             <p:cNvSpPr txBox="1"/>
             <p:nvPr/>
           </p:nvSpPr>
@@ -5342,13 +5299,13 @@
       </p:grpSp>
       <p:grpSp>
         <p:nvGrpSpPr>
-          <p:cNvPr id="5" name="Group 4"/>
+          <p:cNvPr id="144" name="Group 143"/>
           <p:cNvGrpSpPr/>
           <p:nvPr/>
         </p:nvGrpSpPr>
         <p:grpSpPr>
           <a:xfrm>
-            <a:off x="150429" y="3415539"/>
+            <a:off x="151898" y="3109886"/>
             <a:ext cx="1734488" cy="307777"/>
             <a:chOff x="57023" y="3415539"/>
             <a:chExt cx="1734488" cy="307777"/>
@@ -5356,7 +5313,7 @@
         </p:grpSpPr>
         <p:sp>
           <p:nvSpPr>
-            <p:cNvPr id="211" name="Rectangle 210"/>
+            <p:cNvPr id="145" name="Rectangle 144"/>
             <p:cNvSpPr/>
             <p:nvPr/>
           </p:nvSpPr>
@@ -5402,7 +5359,7 @@
         </p:sp>
         <p:sp>
           <p:nvSpPr>
-            <p:cNvPr id="216" name="TextBox 215"/>
+            <p:cNvPr id="146" name="TextBox 145"/>
             <p:cNvSpPr txBox="1"/>
             <p:nvPr/>
           </p:nvSpPr>
@@ -5434,13 +5391,13 @@
       </p:grpSp>
       <p:grpSp>
         <p:nvGrpSpPr>
-          <p:cNvPr id="2" name="Group 1"/>
+          <p:cNvPr id="147" name="Group 146"/>
           <p:cNvGrpSpPr/>
           <p:nvPr/>
         </p:nvGrpSpPr>
         <p:grpSpPr>
           <a:xfrm>
-            <a:off x="5930666" y="3294226"/>
+            <a:off x="5932135" y="2988573"/>
             <a:ext cx="1743472" cy="523220"/>
             <a:chOff x="5837260" y="3294226"/>
             <a:chExt cx="1743472" cy="523220"/>
@@ -5448,7 +5405,7 @@
         </p:grpSpPr>
         <p:sp>
           <p:nvSpPr>
-            <p:cNvPr id="56" name="Rectangle 55"/>
+            <p:cNvPr id="148" name="Rectangle 147"/>
             <p:cNvSpPr/>
             <p:nvPr/>
           </p:nvSpPr>
@@ -5499,7 +5456,7 @@
         </p:sp>
         <p:sp>
           <p:nvSpPr>
-            <p:cNvPr id="57" name="TextBox 56"/>
+            <p:cNvPr id="149" name="TextBox 148"/>
             <p:cNvSpPr txBox="1"/>
             <p:nvPr/>
           </p:nvSpPr>
@@ -5534,7 +5491,7 @@
       </p:grpSp>
       <p:sp>
         <p:nvSpPr>
-          <p:cNvPr id="195" name="Rectangle 194"/>
+          <p:cNvPr id="150" name="Rectangle 149"/>
           <p:cNvSpPr/>
           <p:nvPr/>
         </p:nvSpPr>
